--- a/tutorial18.pptx
+++ b/tutorial18.pptx
@@ -9755,31 +9755,35 @@
           </a:p>
         </p:txBody>
       </p:sp>
-      <p:sp>
-        <p:nvSpPr>
-          <p:cNvPr id="3" name="Content Placeholder 2">
-            <a:extLst>
-              <a:ext uri="{FF2B5EF4-FFF2-40B4-BE49-F238E27FC236}">
-                <a16:creationId xmlns:a16="http://schemas.microsoft.com/office/drawing/2014/main" id="{D8A39B71-DAAF-7844-8ED0-7BD2D2CC8E9B}"/>
-              </a:ext>
-            </a:extLst>
-          </p:cNvPr>
-          <p:cNvSpPr>
-            <a:spLocks noGrp="1"/>
-          </p:cNvSpPr>
+      <p:pic>
+        <p:nvPicPr>
+          <p:cNvPr id="5" name="Content Placeholder 4">
+            <a:extLst>
+              <a:ext uri="{FF2B5EF4-FFF2-40B4-BE49-F238E27FC236}">
+                <a16:creationId xmlns:a16="http://schemas.microsoft.com/office/drawing/2014/main" id="{1BCC948F-32DC-3540-80EE-F9FA067DDDA2}"/>
+              </a:ext>
+            </a:extLst>
+          </p:cNvPr>
+          <p:cNvPicPr>
+            <a:picLocks noGrp="1" noChangeAspect="1"/>
+          </p:cNvPicPr>
           <p:nvPr>
             <p:ph idx="1"/>
           </p:nvPr>
-        </p:nvSpPr>
-        <p:spPr/>
-        <p:txBody>
-          <a:bodyPr/>
-          <a:lstStyle/>
-          <a:p>
-            <a:endParaRPr lang="en-DE"/>
-          </a:p>
-        </p:txBody>
-      </p:sp>
+        </p:nvPicPr>
+        <p:blipFill>
+          <a:blip r:embed="rId2"/>
+          <a:stretch>
+            <a:fillRect/>
+          </a:stretch>
+        </p:blipFill>
+        <p:spPr>
+          <a:xfrm>
+            <a:off x="1179020" y="2112963"/>
+            <a:ext cx="9833961" cy="3979862"/>
+          </a:xfrm>
+        </p:spPr>
+      </p:pic>
     </p:spTree>
     <p:extLst>
       <p:ext uri="{BB962C8B-B14F-4D97-AF65-F5344CB8AC3E}">
